--- a/NicoE_Thesis_Writeup/2. All Diagrams/Mapping_PoitCloudPics/SpecAI_Flat_v0.03;n10;r0.15/Description.pptx
+++ b/NicoE_Thesis_Writeup/2. All Diagrams/Mapping_PoitCloudPics/SpecAI_Flat_v0.03;n10;r0.15/Description.pptx
@@ -104,7 +104,73 @@
       </a:defRPr>
     </a:lvl9pPr>
   </p:defaultTextStyle>
+  <p:extLst>
+    <p:ext uri="{EFAFB233-063F-42B5-8137-9DF3F51BA10A}">
+      <p15:sldGuideLst xmlns:p15="http://schemas.microsoft.com/office/powerpoint/2012/main"/>
+    </p:ext>
+  </p:extLst>
 </p:presentation>
+</file>
+
+<file path=ppt/changesInfos/changesInfo1.xml><?xml version="1.0" encoding="utf-8"?>
+<pc:chgInfo xmlns:a="http://schemas.openxmlformats.org/drawingml/2006/main" xmlns:r="http://schemas.openxmlformats.org/officeDocument/2006/relationships" xmlns:ac="http://schemas.microsoft.com/office/drawing/2013/main/command" xmlns:pc="http://schemas.microsoft.com/office/powerpoint/2013/main/command">
+  <pc:docChgLst>
+    <pc:chgData name="Epler, N, Mr [23910712@sun.ac.za]" userId="f6e02ac5-89d3-4ee2-9b94-14578fa26c4b" providerId="ADAL" clId="{FAA0EEBF-3BE8-434B-83A0-E02BC48DDF22}"/>
+    <pc:docChg chg="undo custSel modSld">
+      <pc:chgData name="Epler, N, Mr [23910712@sun.ac.za]" userId="f6e02ac5-89d3-4ee2-9b94-14578fa26c4b" providerId="ADAL" clId="{FAA0EEBF-3BE8-434B-83A0-E02BC48DDF22}" dt="2025-02-22T12:47:24.114" v="37" actId="207"/>
+      <pc:docMkLst>
+        <pc:docMk/>
+      </pc:docMkLst>
+      <pc:sldChg chg="modSp mod">
+        <pc:chgData name="Epler, N, Mr [23910712@sun.ac.za]" userId="f6e02ac5-89d3-4ee2-9b94-14578fa26c4b" providerId="ADAL" clId="{FAA0EEBF-3BE8-434B-83A0-E02BC48DDF22}" dt="2025-02-22T12:47:24.114" v="37" actId="207"/>
+        <pc:sldMkLst>
+          <pc:docMk/>
+          <pc:sldMk cId="3275846239" sldId="256"/>
+        </pc:sldMkLst>
+        <pc:spChg chg="mod">
+          <ac:chgData name="Epler, N, Mr [23910712@sun.ac.za]" userId="f6e02ac5-89d3-4ee2-9b94-14578fa26c4b" providerId="ADAL" clId="{FAA0EEBF-3BE8-434B-83A0-E02BC48DDF22}" dt="2025-02-22T12:45:21.891" v="29" actId="692"/>
+          <ac:spMkLst>
+            <pc:docMk/>
+            <pc:sldMk cId="3275846239" sldId="256"/>
+            <ac:spMk id="6" creationId="{EE762328-3478-C7CA-2F0D-871E9AAFBD91}"/>
+          </ac:spMkLst>
+        </pc:spChg>
+        <pc:spChg chg="mod">
+          <ac:chgData name="Epler, N, Mr [23910712@sun.ac.za]" userId="f6e02ac5-89d3-4ee2-9b94-14578fa26c4b" providerId="ADAL" clId="{FAA0EEBF-3BE8-434B-83A0-E02BC48DDF22}" dt="2025-02-22T12:45:44.340" v="31" actId="14100"/>
+          <ac:spMkLst>
+            <pc:docMk/>
+            <pc:sldMk cId="3275846239" sldId="256"/>
+            <ac:spMk id="7" creationId="{024186E6-B772-A2A8-D100-8DF009863B7A}"/>
+          </ac:spMkLst>
+        </pc:spChg>
+        <pc:spChg chg="mod">
+          <ac:chgData name="Epler, N, Mr [23910712@sun.ac.za]" userId="f6e02ac5-89d3-4ee2-9b94-14578fa26c4b" providerId="ADAL" clId="{FAA0EEBF-3BE8-434B-83A0-E02BC48DDF22}" dt="2025-02-22T12:44:56.635" v="20" actId="692"/>
+          <ac:spMkLst>
+            <pc:docMk/>
+            <pc:sldMk cId="3275846239" sldId="256"/>
+            <ac:spMk id="8" creationId="{B20C47E3-7706-FACC-ACEC-3FBE52090D1F}"/>
+          </ac:spMkLst>
+        </pc:spChg>
+        <pc:spChg chg="mod">
+          <ac:chgData name="Epler, N, Mr [23910712@sun.ac.za]" userId="f6e02ac5-89d3-4ee2-9b94-14578fa26c4b" providerId="ADAL" clId="{FAA0EEBF-3BE8-434B-83A0-E02BC48DDF22}" dt="2025-02-22T12:45:13.015" v="25" actId="692"/>
+          <ac:spMkLst>
+            <pc:docMk/>
+            <pc:sldMk cId="3275846239" sldId="256"/>
+            <ac:spMk id="9" creationId="{70AEFE6B-C8C6-6A30-BFF6-59E1CCC2DE6F}"/>
+          </ac:spMkLst>
+        </pc:spChg>
+        <pc:spChg chg="mod">
+          <ac:chgData name="Epler, N, Mr [23910712@sun.ac.za]" userId="f6e02ac5-89d3-4ee2-9b94-14578fa26c4b" providerId="ADAL" clId="{FAA0EEBF-3BE8-434B-83A0-E02BC48DDF22}" dt="2025-02-22T12:47:24.114" v="37" actId="207"/>
+          <ac:spMkLst>
+            <pc:docMk/>
+            <pc:sldMk cId="3275846239" sldId="256"/>
+            <ac:spMk id="15" creationId="{D4DC82BC-3F54-8940-A67D-3DB764769DF6}"/>
+          </ac:spMkLst>
+        </pc:spChg>
+      </pc:sldChg>
+    </pc:docChg>
+  </pc:docChgLst>
+</pc:chgInfo>
 </file>
 
 <file path=ppt/slideLayouts/slideLayout1.xml><?xml version="1.0" encoding="utf-8"?>
@@ -256,7 +322,7 @@
           <a:p>
             <a:fld id="{BA9F0164-234A-4450-A85B-039574DB3D81}" type="datetimeFigureOut">
               <a:rPr lang="en-ZA" smtClean="0"/>
-              <a:t>2025/02/19</a:t>
+              <a:t>2025/02/22</a:t>
             </a:fld>
             <a:endParaRPr lang="en-ZA"/>
           </a:p>
@@ -456,7 +522,7 @@
           <a:p>
             <a:fld id="{BA9F0164-234A-4450-A85B-039574DB3D81}" type="datetimeFigureOut">
               <a:rPr lang="en-ZA" smtClean="0"/>
-              <a:t>2025/02/19</a:t>
+              <a:t>2025/02/22</a:t>
             </a:fld>
             <a:endParaRPr lang="en-ZA"/>
           </a:p>
@@ -666,7 +732,7 @@
           <a:p>
             <a:fld id="{BA9F0164-234A-4450-A85B-039574DB3D81}" type="datetimeFigureOut">
               <a:rPr lang="en-ZA" smtClean="0"/>
-              <a:t>2025/02/19</a:t>
+              <a:t>2025/02/22</a:t>
             </a:fld>
             <a:endParaRPr lang="en-ZA"/>
           </a:p>
@@ -866,7 +932,7 @@
           <a:p>
             <a:fld id="{BA9F0164-234A-4450-A85B-039574DB3D81}" type="datetimeFigureOut">
               <a:rPr lang="en-ZA" smtClean="0"/>
-              <a:t>2025/02/19</a:t>
+              <a:t>2025/02/22</a:t>
             </a:fld>
             <a:endParaRPr lang="en-ZA"/>
           </a:p>
@@ -1142,7 +1208,7 @@
           <a:p>
             <a:fld id="{BA9F0164-234A-4450-A85B-039574DB3D81}" type="datetimeFigureOut">
               <a:rPr lang="en-ZA" smtClean="0"/>
-              <a:t>2025/02/19</a:t>
+              <a:t>2025/02/22</a:t>
             </a:fld>
             <a:endParaRPr lang="en-ZA"/>
           </a:p>
@@ -1410,7 +1476,7 @@
           <a:p>
             <a:fld id="{BA9F0164-234A-4450-A85B-039574DB3D81}" type="datetimeFigureOut">
               <a:rPr lang="en-ZA" smtClean="0"/>
-              <a:t>2025/02/19</a:t>
+              <a:t>2025/02/22</a:t>
             </a:fld>
             <a:endParaRPr lang="en-ZA"/>
           </a:p>
@@ -1825,7 +1891,7 @@
           <a:p>
             <a:fld id="{BA9F0164-234A-4450-A85B-039574DB3D81}" type="datetimeFigureOut">
               <a:rPr lang="en-ZA" smtClean="0"/>
-              <a:t>2025/02/19</a:t>
+              <a:t>2025/02/22</a:t>
             </a:fld>
             <a:endParaRPr lang="en-ZA"/>
           </a:p>
@@ -1967,7 +2033,7 @@
           <a:p>
             <a:fld id="{BA9F0164-234A-4450-A85B-039574DB3D81}" type="datetimeFigureOut">
               <a:rPr lang="en-ZA" smtClean="0"/>
-              <a:t>2025/02/19</a:t>
+              <a:t>2025/02/22</a:t>
             </a:fld>
             <a:endParaRPr lang="en-ZA"/>
           </a:p>
@@ -2080,7 +2146,7 @@
           <a:p>
             <a:fld id="{BA9F0164-234A-4450-A85B-039574DB3D81}" type="datetimeFigureOut">
               <a:rPr lang="en-ZA" smtClean="0"/>
-              <a:t>2025/02/19</a:t>
+              <a:t>2025/02/22</a:t>
             </a:fld>
             <a:endParaRPr lang="en-ZA"/>
           </a:p>
@@ -2393,7 +2459,7 @@
           <a:p>
             <a:fld id="{BA9F0164-234A-4450-A85B-039574DB3D81}" type="datetimeFigureOut">
               <a:rPr lang="en-ZA" smtClean="0"/>
-              <a:t>2025/02/19</a:t>
+              <a:t>2025/02/22</a:t>
             </a:fld>
             <a:endParaRPr lang="en-ZA"/>
           </a:p>
@@ -2682,7 +2748,7 @@
           <a:p>
             <a:fld id="{BA9F0164-234A-4450-A85B-039574DB3D81}" type="datetimeFigureOut">
               <a:rPr lang="en-ZA" smtClean="0"/>
-              <a:t>2025/02/19</a:t>
+              <a:t>2025/02/22</a:t>
             </a:fld>
             <a:endParaRPr lang="en-ZA"/>
           </a:p>
@@ -2925,7 +2991,7 @@
           <a:p>
             <a:fld id="{BA9F0164-234A-4450-A85B-039574DB3D81}" type="datetimeFigureOut">
               <a:rPr lang="en-ZA" smtClean="0"/>
-              <a:t>2025/02/19</a:t>
+              <a:t>2025/02/22</a:t>
             </a:fld>
             <a:endParaRPr lang="en-ZA"/>
           </a:p>
@@ -3401,7 +3467,9 @@
           <a:noFill/>
           <a:ln>
             <a:solidFill>
-              <a:srgbClr val="FFFF00"/>
+              <a:srgbClr val="FFFF00">
+                <a:alpha val="50000"/>
+              </a:srgbClr>
             </a:solidFill>
           </a:ln>
         </p:spPr>
@@ -3445,7 +3513,7 @@
         <p:spPr>
           <a:xfrm>
             <a:off x="5416849" y="3142098"/>
-            <a:ext cx="2475222" cy="1791980"/>
+            <a:ext cx="2455200" cy="1791980"/>
           </a:xfrm>
           <a:prstGeom prst="rect">
             <a:avLst/>
@@ -3453,7 +3521,9 @@
           <a:noFill/>
           <a:ln>
             <a:solidFill>
-              <a:srgbClr val="FF0000"/>
+              <a:srgbClr val="FF0000">
+                <a:alpha val="50000"/>
+              </a:srgbClr>
             </a:solidFill>
           </a:ln>
         </p:spPr>
@@ -3505,7 +3575,9 @@
           <a:noFill/>
           <a:ln>
             <a:solidFill>
-              <a:srgbClr val="92D050"/>
+              <a:srgbClr val="92D050">
+                <a:alpha val="50000"/>
+              </a:srgbClr>
             </a:solidFill>
           </a:ln>
         </p:spPr>
@@ -3560,6 +3632,7 @@
               <a:schemeClr val="tx2">
                 <a:lumMod val="50000"/>
                 <a:lumOff val="50000"/>
+                <a:alpha val="50000"/>
               </a:schemeClr>
             </a:solidFill>
           </a:ln>
